--- a/CSCE689-23/L14.pptx
+++ b/CSCE689-23/L14.pptx
@@ -232,7 +232,7 @@
           <a:p>
             <a:fld id="{C47E91FD-DF38-46BB-9C66-6F45BDCD1CBA}" type="datetimeFigureOut">
               <a:rPr lang="en-US" smtClean="0"/>
-              <a:t>9/23/2023</a:t>
+              <a:t>10/2/2023</a:t>
             </a:fld>
             <a:endParaRPr lang="en-US"/>
           </a:p>
@@ -1402,7 +1402,7 @@
           <a:p>
             <a:fld id="{688AAEEF-37E1-4D83-9031-30D3D4065EB1}" type="datetimeFigureOut">
               <a:rPr lang="en-US" smtClean="0"/>
-              <a:t>9/23/2023</a:t>
+              <a:t>10/2/2023</a:t>
             </a:fld>
             <a:endParaRPr lang="en-US"/>
           </a:p>
@@ -1600,7 +1600,7 @@
           <a:p>
             <a:fld id="{688AAEEF-37E1-4D83-9031-30D3D4065EB1}" type="datetimeFigureOut">
               <a:rPr lang="en-US" smtClean="0"/>
-              <a:t>9/23/2023</a:t>
+              <a:t>10/2/2023</a:t>
             </a:fld>
             <a:endParaRPr lang="en-US"/>
           </a:p>
@@ -1808,7 +1808,7 @@
           <a:p>
             <a:fld id="{688AAEEF-37E1-4D83-9031-30D3D4065EB1}" type="datetimeFigureOut">
               <a:rPr lang="en-US" smtClean="0"/>
-              <a:t>9/23/2023</a:t>
+              <a:t>10/2/2023</a:t>
             </a:fld>
             <a:endParaRPr lang="en-US"/>
           </a:p>
@@ -2006,7 +2006,7 @@
           <a:p>
             <a:fld id="{688AAEEF-37E1-4D83-9031-30D3D4065EB1}" type="datetimeFigureOut">
               <a:rPr lang="en-US" smtClean="0"/>
-              <a:t>9/23/2023</a:t>
+              <a:t>10/2/2023</a:t>
             </a:fld>
             <a:endParaRPr lang="en-US"/>
           </a:p>
@@ -2281,7 +2281,7 @@
           <a:p>
             <a:fld id="{688AAEEF-37E1-4D83-9031-30D3D4065EB1}" type="datetimeFigureOut">
               <a:rPr lang="en-US" smtClean="0"/>
-              <a:t>9/23/2023</a:t>
+              <a:t>10/2/2023</a:t>
             </a:fld>
             <a:endParaRPr lang="en-US"/>
           </a:p>
@@ -2546,7 +2546,7 @@
           <a:p>
             <a:fld id="{688AAEEF-37E1-4D83-9031-30D3D4065EB1}" type="datetimeFigureOut">
               <a:rPr lang="en-US" smtClean="0"/>
-              <a:t>9/23/2023</a:t>
+              <a:t>10/2/2023</a:t>
             </a:fld>
             <a:endParaRPr lang="en-US"/>
           </a:p>
@@ -2958,7 +2958,7 @@
           <a:p>
             <a:fld id="{688AAEEF-37E1-4D83-9031-30D3D4065EB1}" type="datetimeFigureOut">
               <a:rPr lang="en-US" smtClean="0"/>
-              <a:t>9/23/2023</a:t>
+              <a:t>10/2/2023</a:t>
             </a:fld>
             <a:endParaRPr lang="en-US"/>
           </a:p>
@@ -3099,7 +3099,7 @@
           <a:p>
             <a:fld id="{688AAEEF-37E1-4D83-9031-30D3D4065EB1}" type="datetimeFigureOut">
               <a:rPr lang="en-US" smtClean="0"/>
-              <a:t>9/23/2023</a:t>
+              <a:t>10/2/2023</a:t>
             </a:fld>
             <a:endParaRPr lang="en-US"/>
           </a:p>
@@ -3212,7 +3212,7 @@
           <a:p>
             <a:fld id="{688AAEEF-37E1-4D83-9031-30D3D4065EB1}" type="datetimeFigureOut">
               <a:rPr lang="en-US" smtClean="0"/>
-              <a:t>9/23/2023</a:t>
+              <a:t>10/2/2023</a:t>
             </a:fld>
             <a:endParaRPr lang="en-US"/>
           </a:p>
@@ -3523,7 +3523,7 @@
           <a:p>
             <a:fld id="{688AAEEF-37E1-4D83-9031-30D3D4065EB1}" type="datetimeFigureOut">
               <a:rPr lang="en-US" smtClean="0"/>
-              <a:t>9/23/2023</a:t>
+              <a:t>10/2/2023</a:t>
             </a:fld>
             <a:endParaRPr lang="en-US"/>
           </a:p>
@@ -3811,7 +3811,7 @@
           <a:p>
             <a:fld id="{688AAEEF-37E1-4D83-9031-30D3D4065EB1}" type="datetimeFigureOut">
               <a:rPr lang="en-US" smtClean="0"/>
-              <a:t>9/23/2023</a:t>
+              <a:t>10/2/2023</a:t>
             </a:fld>
             <a:endParaRPr lang="en-US"/>
           </a:p>
@@ -4052,7 +4052,7 @@
           <a:p>
             <a:fld id="{688AAEEF-37E1-4D83-9031-30D3D4065EB1}" type="datetimeFigureOut">
               <a:rPr lang="en-US" smtClean="0"/>
-              <a:t>9/23/2023</a:t>
+              <a:t>10/2/2023</a:t>
             </a:fld>
             <a:endParaRPr lang="en-US"/>
           </a:p>
@@ -17254,8 +17254,8 @@
           </a:p>
         </p:txBody>
       </p:sp>
-      <mc:AlternateContent xmlns:mc="http://schemas.openxmlformats.org/markup-compatibility/2006" xmlns:a14="http://schemas.microsoft.com/office/drawing/2010/main">
-        <mc:Choice Requires="a14">
+      <mc:AlternateContent xmlns:mc="http://schemas.openxmlformats.org/markup-compatibility/2006">
+        <mc:Choice xmlns:a14="http://schemas.microsoft.com/office/drawing/2010/main" Requires="a14">
           <p:sp>
             <p:nvSpPr>
               <p:cNvPr id="4" name="Content Placeholder 3"/>
@@ -17388,13 +17388,52 @@
                 </a14:m>
                 <a:r>
                   <a:rPr lang="en-US" dirty="0"/>
-                  <a:t> with probability 2/3</a:t>
+                  <a:t> with probability </a:t>
                 </a:r>
+                <a14:m>
+                  <m:oMath xmlns:m="http://schemas.openxmlformats.org/officeDocument/2006/math">
+                    <m:f>
+                      <m:fPr>
+                        <m:ctrlPr>
+                          <a:rPr lang="en-US" b="0" i="1" dirty="0" smtClean="0">
+                            <a:solidFill>
+                              <a:srgbClr val="C00000"/>
+                            </a:solidFill>
+                            <a:latin typeface="Cambria Math" panose="02040503050406030204" pitchFamily="18" charset="0"/>
+                          </a:rPr>
+                        </m:ctrlPr>
+                      </m:fPr>
+                      <m:num>
+                        <m:r>
+                          <a:rPr lang="en-US" b="0" i="1" dirty="0" smtClean="0">
+                            <a:solidFill>
+                              <a:srgbClr val="C00000"/>
+                            </a:solidFill>
+                            <a:latin typeface="Cambria Math" panose="02040503050406030204" pitchFamily="18" charset="0"/>
+                          </a:rPr>
+                          <m:t>2</m:t>
+                        </m:r>
+                      </m:num>
+                      <m:den>
+                        <m:r>
+                          <a:rPr lang="en-US" b="0" i="1" dirty="0" smtClean="0">
+                            <a:solidFill>
+                              <a:srgbClr val="C00000"/>
+                            </a:solidFill>
+                            <a:latin typeface="Cambria Math" panose="02040503050406030204" pitchFamily="18" charset="0"/>
+                          </a:rPr>
+                          <m:t>3</m:t>
+                        </m:r>
+                      </m:den>
+                    </m:f>
+                  </m:oMath>
+                </a14:m>
+                <a:endParaRPr lang="en-US" dirty="0"/>
               </a:p>
             </p:txBody>
           </p:sp>
         </mc:Choice>
-        <mc:Fallback xmlns="">
+        <mc:Fallback>
           <p:sp>
             <p:nvSpPr>
               <p:cNvPr id="4" name="Content Placeholder 3"/>
